--- a/01 Java Intro/Java Slides part 1.pptx
+++ b/01 Java Intro/Java Slides part 1.pptx
@@ -287,7 +287,7 @@
           <a:p>
             <a:fld id="{AF869721-F543-4A6C-BF9D-65D7CC540427}" type="datetimeFigureOut">
               <a:rPr lang="en-US" smtClean="0"/>
-              <a:t>5/27/2023</a:t>
+              <a:t>8/2/2023</a:t>
             </a:fld>
             <a:endParaRPr lang="en-US" dirty="0"/>
           </a:p>
@@ -464,7 +464,7 @@
           <a:p>
             <a:fld id="{C732326A-4C88-4AFB-AA5B-5919D81DFF5B}" type="datetimeFigureOut">
               <a:rPr lang="en-US" smtClean="0"/>
-              <a:t>5/27/2023</a:t>
+              <a:t>8/2/2023</a:t>
             </a:fld>
             <a:endParaRPr lang="en-US" dirty="0"/>
           </a:p>
@@ -1145,7 +1145,7 @@
             <a:fld id="{B61BEF0D-F0BB-DE4B-95CE-6DB70DBA9567}" type="datetimeFigureOut">
               <a:rPr lang="en-US" smtClean="0"/>
               <a:pPr/>
-              <a:t>5/27/2023</a:t>
+              <a:t>8/2/2023</a:t>
             </a:fld>
             <a:endParaRPr lang="en-US" dirty="0"/>
           </a:p>
@@ -1409,7 +1409,7 @@
             <a:fld id="{B61BEF0D-F0BB-DE4B-95CE-6DB70DBA9567}" type="datetimeFigureOut">
               <a:rPr lang="en-US" smtClean="0"/>
               <a:pPr/>
-              <a:t>5/27/2023</a:t>
+              <a:t>8/2/2023</a:t>
             </a:fld>
             <a:endParaRPr lang="en-US" dirty="0"/>
           </a:p>
@@ -1646,7 +1646,7 @@
             <a:fld id="{B61BEF0D-F0BB-DE4B-95CE-6DB70DBA9567}" type="datetimeFigureOut">
               <a:rPr lang="en-US" smtClean="0"/>
               <a:pPr/>
-              <a:t>5/27/2023</a:t>
+              <a:t>8/2/2023</a:t>
             </a:fld>
             <a:endParaRPr lang="en-US" dirty="0"/>
           </a:p>
@@ -1888,7 +1888,7 @@
             <a:fld id="{B61BEF0D-F0BB-DE4B-95CE-6DB70DBA9567}" type="datetimeFigureOut">
               <a:rPr lang="en-US" smtClean="0"/>
               <a:pPr/>
-              <a:t>5/27/2023</a:t>
+              <a:t>8/2/2023</a:t>
             </a:fld>
             <a:endParaRPr lang="en-US" dirty="0"/>
           </a:p>
@@ -2197,7 +2197,7 @@
             <a:fld id="{B61BEF0D-F0BB-DE4B-95CE-6DB70DBA9567}" type="datetimeFigureOut">
               <a:rPr lang="en-US" smtClean="0"/>
               <a:pPr/>
-              <a:t>5/27/2023</a:t>
+              <a:t>8/2/2023</a:t>
             </a:fld>
             <a:endParaRPr lang="en-US" dirty="0"/>
           </a:p>
@@ -2501,7 +2501,7 @@
             <a:fld id="{B61BEF0D-F0BB-DE4B-95CE-6DB70DBA9567}" type="datetimeFigureOut">
               <a:rPr lang="en-US" smtClean="0"/>
               <a:pPr/>
-              <a:t>5/27/2023</a:t>
+              <a:t>8/2/2023</a:t>
             </a:fld>
             <a:endParaRPr lang="en-US" dirty="0"/>
           </a:p>
@@ -2925,7 +2925,7 @@
             <a:fld id="{B61BEF0D-F0BB-DE4B-95CE-6DB70DBA9567}" type="datetimeFigureOut">
               <a:rPr lang="en-US" smtClean="0"/>
               <a:pPr/>
-              <a:t>5/27/2023</a:t>
+              <a:t>8/2/2023</a:t>
             </a:fld>
             <a:endParaRPr lang="en-US" dirty="0"/>
           </a:p>
@@ -3022,7 +3022,7 @@
             <a:fld id="{B61BEF0D-F0BB-DE4B-95CE-6DB70DBA9567}" type="datetimeFigureOut">
               <a:rPr lang="en-US" smtClean="0"/>
               <a:pPr/>
-              <a:t>5/27/2023</a:t>
+              <a:t>8/2/2023</a:t>
             </a:fld>
             <a:endParaRPr lang="en-US" dirty="0"/>
           </a:p>
@@ -3186,7 +3186,7 @@
             <a:fld id="{B61BEF0D-F0BB-DE4B-95CE-6DB70DBA9567}" type="datetimeFigureOut">
               <a:rPr lang="en-US" smtClean="0"/>
               <a:pPr/>
-              <a:t>5/27/2023</a:t>
+              <a:t>8/2/2023</a:t>
             </a:fld>
             <a:endParaRPr lang="en-US" dirty="0"/>
           </a:p>
@@ -3566,7 +3566,7 @@
             <a:fld id="{B61BEF0D-F0BB-DE4B-95CE-6DB70DBA9567}" type="datetimeFigureOut">
               <a:rPr lang="en-US" smtClean="0"/>
               <a:pPr/>
-              <a:t>5/27/2023</a:t>
+              <a:t>8/2/2023</a:t>
             </a:fld>
             <a:endParaRPr lang="en-US" dirty="0"/>
           </a:p>
@@ -3856,7 +3856,7 @@
             <a:fld id="{B61BEF0D-F0BB-DE4B-95CE-6DB70DBA9567}" type="datetimeFigureOut">
               <a:rPr lang="en-US" smtClean="0"/>
               <a:pPr/>
-              <a:t>5/27/2023</a:t>
+              <a:t>8/2/2023</a:t>
             </a:fld>
             <a:endParaRPr lang="en-US" dirty="0"/>
           </a:p>
@@ -4069,7 +4069,7 @@
             <a:fld id="{B61BEF0D-F0BB-DE4B-95CE-6DB70DBA9567}" type="datetimeFigureOut">
               <a:rPr lang="en-US" smtClean="0"/>
               <a:pPr/>
-              <a:t>5/27/2023</a:t>
+              <a:t>8/2/2023</a:t>
             </a:fld>
             <a:endParaRPr lang="en-US" dirty="0"/>
           </a:p>
@@ -4856,6 +4856,13 @@
               <a:schemeClr val="lt1"/>
             </a:fontRef>
           </p:style>
+          <p:txBody>
+            <a:bodyPr/>
+            <a:lstStyle/>
+            <a:p>
+              <a:endParaRPr lang="en-IN"/>
+            </a:p>
+          </p:txBody>
         </p:sp>
         <p:sp>
           <p:nvSpPr>
@@ -4908,6 +4915,13 @@
               <a:schemeClr val="lt1"/>
             </a:fontRef>
           </p:style>
+          <p:txBody>
+            <a:bodyPr/>
+            <a:lstStyle/>
+            <a:p>
+              <a:endParaRPr lang="en-IN"/>
+            </a:p>
+          </p:txBody>
         </p:sp>
         <p:sp>
           <p:nvSpPr>
@@ -4960,6 +4974,13 @@
               <a:schemeClr val="lt1"/>
             </a:fontRef>
           </p:style>
+          <p:txBody>
+            <a:bodyPr/>
+            <a:lstStyle/>
+            <a:p>
+              <a:endParaRPr lang="en-IN"/>
+            </a:p>
+          </p:txBody>
         </p:sp>
       </p:grpSp>
       <p:sp>
@@ -5017,6 +5038,13 @@
             <a:schemeClr val="lt1"/>
           </a:fontRef>
         </p:style>
+        <p:txBody>
+          <a:bodyPr/>
+          <a:lstStyle/>
+          <a:p>
+            <a:endParaRPr lang="en-IN"/>
+          </a:p>
+        </p:txBody>
       </p:sp>
       <p:sp>
         <p:nvSpPr>
@@ -7716,13 +7744,21 @@
         </p:spPr>
         <p:txBody>
           <a:bodyPr>
-            <a:normAutofit lnSpcReduction="10000"/>
+            <a:normAutofit fontScale="92500" lnSpcReduction="10000"/>
           </a:bodyPr>
           <a:lstStyle/>
           <a:p>
             <a:r>
               <a:rPr lang="en-US" dirty="0"/>
-              <a:t>Java is a widely-used programming language for coding. It has been a popular choice among developers for over two decades, with millions of Java applications in use today. Java is a multi-platform, object-oriented, and network-centric language that can be used as a platform in itself. It is a fast, secure, reliable programming language for coding everything from mobile apps and enterprise software to big data applications and server-side technologies.</a:t>
+              <a:t>Java is a widely-used High level programming language for coding. It has been a popular choice among developers for over two decades, with millions of Java applications in use today. Java is a multi-platform(</a:t>
+            </a:r>
+            <a:r>
+              <a:rPr lang="en-US" dirty="0" err="1"/>
+              <a:t>hardware+OS</a:t>
+            </a:r>
+            <a:r>
+              <a:rPr lang="en-US" dirty="0"/>
+              <a:t>), object-oriented, and network-centric language that can be used as a platform in itself. It is a fast, Highly secure, reliable programming language for coding everything from mobile apps and enterprise software to big data applications and server-side technologies.</a:t>
             </a:r>
           </a:p>
           <a:p>
@@ -14054,7 +14090,7 @@
           <a:p>
             <a:r>
               <a:rPr lang="en-US" dirty="0"/>
-              <a:t>According to Sun, 3 billion devices run Java. There are many devices where Java is currently used. Some of them are as follows:</a:t>
+              <a:t>According to Sun Micro System, 3 billion devices run Java. There are many devices where Java is currently used. Some of them are as follows:</a:t>
             </a:r>
           </a:p>
           <a:p>
@@ -30791,6 +30827,13 @@
             <a:schemeClr val="lt1"/>
           </a:fontRef>
         </p:style>
+        <p:txBody>
+          <a:bodyPr/>
+          <a:lstStyle/>
+          <a:p>
+            <a:endParaRPr lang="en-IN"/>
+          </a:p>
+        </p:txBody>
       </p:sp>
       <p:grpSp>
         <p:nvGrpSpPr>
@@ -30874,6 +30917,13 @@
               <a:schemeClr val="lt1"/>
             </a:fontRef>
           </p:style>
+          <p:txBody>
+            <a:bodyPr/>
+            <a:lstStyle/>
+            <a:p>
+              <a:endParaRPr lang="en-IN"/>
+            </a:p>
+          </p:txBody>
         </p:sp>
         <p:sp>
           <p:nvSpPr>
@@ -30926,6 +30976,13 @@
               <a:schemeClr val="lt1"/>
             </a:fontRef>
           </p:style>
+          <p:txBody>
+            <a:bodyPr/>
+            <a:lstStyle/>
+            <a:p>
+              <a:endParaRPr lang="en-IN"/>
+            </a:p>
+          </p:txBody>
         </p:sp>
         <p:sp>
           <p:nvSpPr>
@@ -30978,6 +31035,13 @@
               <a:schemeClr val="lt1"/>
             </a:fontRef>
           </p:style>
+          <p:txBody>
+            <a:bodyPr/>
+            <a:lstStyle/>
+            <a:p>
+              <a:endParaRPr lang="en-IN"/>
+            </a:p>
+          </p:txBody>
         </p:sp>
       </p:grpSp>
       <p:sp>
@@ -31487,6 +31551,84 @@
           </a:prstGeom>
         </p:spPr>
       </p:pic>
+      <p:sp>
+        <p:nvSpPr>
+          <p:cNvPr id="3" name="TextBox 2">
+            <a:extLst>
+              <a:ext uri="{FF2B5EF4-FFF2-40B4-BE49-F238E27FC236}">
+                <a16:creationId xmlns:a16="http://schemas.microsoft.com/office/drawing/2014/main" id="{E08ADF1F-A353-63DE-2BB6-E3BC85989DBE}"/>
+              </a:ext>
+            </a:extLst>
+          </p:cNvPr>
+          <p:cNvSpPr txBox="1"/>
+          <p:nvPr/>
+        </p:nvSpPr>
+        <p:spPr>
+          <a:xfrm>
+            <a:off x="9964346" y="2358147"/>
+            <a:ext cx="904875" cy="369332"/>
+          </a:xfrm>
+          <a:prstGeom prst="rect">
+            <a:avLst/>
+          </a:prstGeom>
+          <a:solidFill>
+            <a:srgbClr val="DAE3F3"/>
+          </a:solidFill>
+        </p:spPr>
+        <p:txBody>
+          <a:bodyPr wrap="square" rtlCol="0">
+            <a:spAutoFit/>
+          </a:bodyPr>
+          <a:lstStyle/>
+          <a:p>
+            <a:pPr algn="ctr"/>
+            <a:r>
+              <a:rPr lang="en-US" dirty="0"/>
+              <a:t>JDK</a:t>
+            </a:r>
+            <a:endParaRPr lang="en-IN" dirty="0"/>
+          </a:p>
+        </p:txBody>
+      </p:sp>
+      <p:sp>
+        <p:nvSpPr>
+          <p:cNvPr id="4" name="TextBox 3">
+            <a:extLst>
+              <a:ext uri="{FF2B5EF4-FFF2-40B4-BE49-F238E27FC236}">
+                <a16:creationId xmlns:a16="http://schemas.microsoft.com/office/drawing/2014/main" id="{5579EB61-5685-AEF6-A9EB-F335872C9ECD}"/>
+              </a:ext>
+            </a:extLst>
+          </p:cNvPr>
+          <p:cNvSpPr txBox="1"/>
+          <p:nvPr/>
+        </p:nvSpPr>
+        <p:spPr>
+          <a:xfrm>
+            <a:off x="9719066" y="2938939"/>
+            <a:ext cx="697717" cy="369332"/>
+          </a:xfrm>
+          <a:prstGeom prst="rect">
+            <a:avLst/>
+          </a:prstGeom>
+          <a:solidFill>
+            <a:schemeClr val="bg1"/>
+          </a:solidFill>
+        </p:spPr>
+        <p:txBody>
+          <a:bodyPr wrap="square" rtlCol="0">
+            <a:spAutoFit/>
+          </a:bodyPr>
+          <a:lstStyle/>
+          <a:p>
+            <a:pPr algn="ctr"/>
+            <a:r>
+              <a:rPr lang="en-US" dirty="0"/>
+              <a:t>JRE</a:t>
+            </a:r>
+            <a:endParaRPr lang="en-IN" dirty="0"/>
+          </a:p>
+        </p:txBody>
+      </p:sp>
     </p:spTree>
     <p:extLst>
       <p:ext uri="{BB962C8B-B14F-4D97-AF65-F5344CB8AC3E}">

--- a/01 Java Intro/Java Slides part 1.pptx
+++ b/01 Java Intro/Java Slides part 1.pptx
@@ -288,7 +288,7 @@
           <a:p>
             <a:fld id="{AF869721-F543-4A6C-BF9D-65D7CC540427}" type="datetimeFigureOut">
               <a:rPr lang="en-US" smtClean="0"/>
-              <a:t>7/28/2024</a:t>
+              <a:t>8/20/2024</a:t>
             </a:fld>
             <a:endParaRPr lang="en-US" dirty="0"/>
           </a:p>
@@ -465,7 +465,7 @@
           <a:p>
             <a:fld id="{C732326A-4C88-4AFB-AA5B-5919D81DFF5B}" type="datetimeFigureOut">
               <a:rPr lang="en-US" smtClean="0"/>
-              <a:t>7/28/2024</a:t>
+              <a:t>8/20/2024</a:t>
             </a:fld>
             <a:endParaRPr lang="en-US" dirty="0"/>
           </a:p>
@@ -1146,7 +1146,7 @@
             <a:fld id="{B61BEF0D-F0BB-DE4B-95CE-6DB70DBA9567}" type="datetimeFigureOut">
               <a:rPr lang="en-US" smtClean="0"/>
               <a:pPr/>
-              <a:t>7/28/2024</a:t>
+              <a:t>8/20/2024</a:t>
             </a:fld>
             <a:endParaRPr lang="en-US" dirty="0"/>
           </a:p>
@@ -1410,7 +1410,7 @@
             <a:fld id="{B61BEF0D-F0BB-DE4B-95CE-6DB70DBA9567}" type="datetimeFigureOut">
               <a:rPr lang="en-US" smtClean="0"/>
               <a:pPr/>
-              <a:t>7/28/2024</a:t>
+              <a:t>8/20/2024</a:t>
             </a:fld>
             <a:endParaRPr lang="en-US" dirty="0"/>
           </a:p>
@@ -1647,7 +1647,7 @@
             <a:fld id="{B61BEF0D-F0BB-DE4B-95CE-6DB70DBA9567}" type="datetimeFigureOut">
               <a:rPr lang="en-US" smtClean="0"/>
               <a:pPr/>
-              <a:t>7/28/2024</a:t>
+              <a:t>8/20/2024</a:t>
             </a:fld>
             <a:endParaRPr lang="en-US" dirty="0"/>
           </a:p>
@@ -1889,7 +1889,7 @@
             <a:fld id="{B61BEF0D-F0BB-DE4B-95CE-6DB70DBA9567}" type="datetimeFigureOut">
               <a:rPr lang="en-US" smtClean="0"/>
               <a:pPr/>
-              <a:t>7/28/2024</a:t>
+              <a:t>8/20/2024</a:t>
             </a:fld>
             <a:endParaRPr lang="en-US" dirty="0"/>
           </a:p>
@@ -2198,7 +2198,7 @@
             <a:fld id="{B61BEF0D-F0BB-DE4B-95CE-6DB70DBA9567}" type="datetimeFigureOut">
               <a:rPr lang="en-US" smtClean="0"/>
               <a:pPr/>
-              <a:t>7/28/2024</a:t>
+              <a:t>8/20/2024</a:t>
             </a:fld>
             <a:endParaRPr lang="en-US" dirty="0"/>
           </a:p>
@@ -2502,7 +2502,7 @@
             <a:fld id="{B61BEF0D-F0BB-DE4B-95CE-6DB70DBA9567}" type="datetimeFigureOut">
               <a:rPr lang="en-US" smtClean="0"/>
               <a:pPr/>
-              <a:t>7/28/2024</a:t>
+              <a:t>8/20/2024</a:t>
             </a:fld>
             <a:endParaRPr lang="en-US" dirty="0"/>
           </a:p>
@@ -2926,7 +2926,7 @@
             <a:fld id="{B61BEF0D-F0BB-DE4B-95CE-6DB70DBA9567}" type="datetimeFigureOut">
               <a:rPr lang="en-US" smtClean="0"/>
               <a:pPr/>
-              <a:t>7/28/2024</a:t>
+              <a:t>8/20/2024</a:t>
             </a:fld>
             <a:endParaRPr lang="en-US" dirty="0"/>
           </a:p>
@@ -3023,7 +3023,7 @@
             <a:fld id="{B61BEF0D-F0BB-DE4B-95CE-6DB70DBA9567}" type="datetimeFigureOut">
               <a:rPr lang="en-US" smtClean="0"/>
               <a:pPr/>
-              <a:t>7/28/2024</a:t>
+              <a:t>8/20/2024</a:t>
             </a:fld>
             <a:endParaRPr lang="en-US" dirty="0"/>
           </a:p>
@@ -3187,7 +3187,7 @@
             <a:fld id="{B61BEF0D-F0BB-DE4B-95CE-6DB70DBA9567}" type="datetimeFigureOut">
               <a:rPr lang="en-US" smtClean="0"/>
               <a:pPr/>
-              <a:t>7/28/2024</a:t>
+              <a:t>8/20/2024</a:t>
             </a:fld>
             <a:endParaRPr lang="en-US" dirty="0"/>
           </a:p>
@@ -3567,7 +3567,7 @@
             <a:fld id="{B61BEF0D-F0BB-DE4B-95CE-6DB70DBA9567}" type="datetimeFigureOut">
               <a:rPr lang="en-US" smtClean="0"/>
               <a:pPr/>
-              <a:t>7/28/2024</a:t>
+              <a:t>8/20/2024</a:t>
             </a:fld>
             <a:endParaRPr lang="en-US" dirty="0"/>
           </a:p>
@@ -3857,7 +3857,7 @@
             <a:fld id="{B61BEF0D-F0BB-DE4B-95CE-6DB70DBA9567}" type="datetimeFigureOut">
               <a:rPr lang="en-US" smtClean="0"/>
               <a:pPr/>
-              <a:t>7/28/2024</a:t>
+              <a:t>8/20/2024</a:t>
             </a:fld>
             <a:endParaRPr lang="en-US" dirty="0"/>
           </a:p>
@@ -4070,7 +4070,7 @@
             <a:fld id="{B61BEF0D-F0BB-DE4B-95CE-6DB70DBA9567}" type="datetimeFigureOut">
               <a:rPr lang="en-US" smtClean="0"/>
               <a:pPr/>
-              <a:t>7/28/2024</a:t>
+              <a:t>8/20/2024</a:t>
             </a:fld>
             <a:endParaRPr lang="en-US" dirty="0"/>
           </a:p>
@@ -5765,13 +5765,8 @@
             </a:r>
             <a:r>
               <a:rPr lang="en-US" sz="2000" dirty="0"/>
-              <a:t>/bin directory  (only in below </a:t>
-            </a:r>
-            <a:r>
-              <a:rPr lang="en-US" sz="2000"/>
-              <a:t>JDK 17).</a:t>
-            </a:r>
-            <a:endParaRPr lang="en-US" sz="2000" dirty="0"/>
+              <a:t>/bin directory  (only in below JDK 11).</a:t>
+            </a:r>
           </a:p>
           <a:p>
             <a:pPr marL="457200" indent="-457200">
@@ -5793,7 +5788,7 @@
           <a:p>
             <a:r>
               <a:rPr lang="en-US" sz="2000" dirty="0"/>
-              <a:t>Let's create the hello java program:</a:t>
+              <a:t>Let's create the hello world program in java (make a file Simple.java):</a:t>
             </a:r>
           </a:p>
           <a:p>
@@ -5812,7 +5807,16 @@
             </a:r>
             <a:r>
               <a:rPr lang="en-US" sz="2000" dirty="0"/>
-              <a:t> Simple{  </a:t>
+              <a:t> Simple</a:t>
+            </a:r>
+          </a:p>
+          <a:p>
+            <a:pPr marL="0" indent="0">
+              <a:buNone/>
+            </a:pPr>
+            <a:r>
+              <a:rPr lang="en-US" sz="2000" dirty="0"/>
+              <a:t>{  </a:t>
             </a:r>
           </a:p>
           <a:p>
@@ -5845,15 +5849,7 @@
             </a:r>
             <a:r>
               <a:rPr lang="en-US" sz="2000" dirty="0"/>
-              <a:t> main(String </a:t>
-            </a:r>
-            <a:r>
-              <a:rPr lang="en-US" sz="2000" dirty="0" err="1"/>
-              <a:t>args</a:t>
-            </a:r>
-            <a:r>
-              <a:rPr lang="en-US" sz="2000" dirty="0"/>
-              <a:t>[]){  </a:t>
+              <a:t> main(String args[ ]){  </a:t>
             </a:r>
           </a:p>
           <a:p>
@@ -5890,11 +5886,6 @@
               <a:rPr lang="en-US" sz="2000" dirty="0"/>
               <a:t>}  </a:t>
             </a:r>
-          </a:p>
-          <a:p>
-            <a:pPr marL="0" indent="0">
-              <a:buNone/>
-            </a:pPr>
             <a:endParaRPr lang="en-US" sz="2000" b="1" dirty="0"/>
           </a:p>
           <a:p>
@@ -5930,7 +5921,7 @@
             </a:r>
             <a:r>
               <a:rPr lang="en-US" sz="2000" b="1" dirty="0"/>
-              <a:t>java Simple</a:t>
+              <a:t>java Simple </a:t>
             </a:r>
           </a:p>
         </p:txBody>

--- a/01 Java Intro/Java Slides part 1.pptx
+++ b/01 Java Intro/Java Slides part 1.pptx
@@ -288,7 +288,7 @@
           <a:p>
             <a:fld id="{AF869721-F543-4A6C-BF9D-65D7CC540427}" type="datetimeFigureOut">
               <a:rPr lang="en-US" smtClean="0"/>
-              <a:t>8/20/2024</a:t>
+              <a:t>9/10/2024</a:t>
             </a:fld>
             <a:endParaRPr lang="en-US" dirty="0"/>
           </a:p>
@@ -465,7 +465,7 @@
           <a:p>
             <a:fld id="{C732326A-4C88-4AFB-AA5B-5919D81DFF5B}" type="datetimeFigureOut">
               <a:rPr lang="en-US" smtClean="0"/>
-              <a:t>8/20/2024</a:t>
+              <a:t>9/10/2024</a:t>
             </a:fld>
             <a:endParaRPr lang="en-US" dirty="0"/>
           </a:p>
@@ -1146,7 +1146,7 @@
             <a:fld id="{B61BEF0D-F0BB-DE4B-95CE-6DB70DBA9567}" type="datetimeFigureOut">
               <a:rPr lang="en-US" smtClean="0"/>
               <a:pPr/>
-              <a:t>8/20/2024</a:t>
+              <a:t>9/10/2024</a:t>
             </a:fld>
             <a:endParaRPr lang="en-US" dirty="0"/>
           </a:p>
@@ -1410,7 +1410,7 @@
             <a:fld id="{B61BEF0D-F0BB-DE4B-95CE-6DB70DBA9567}" type="datetimeFigureOut">
               <a:rPr lang="en-US" smtClean="0"/>
               <a:pPr/>
-              <a:t>8/20/2024</a:t>
+              <a:t>9/10/2024</a:t>
             </a:fld>
             <a:endParaRPr lang="en-US" dirty="0"/>
           </a:p>
@@ -1647,7 +1647,7 @@
             <a:fld id="{B61BEF0D-F0BB-DE4B-95CE-6DB70DBA9567}" type="datetimeFigureOut">
               <a:rPr lang="en-US" smtClean="0"/>
               <a:pPr/>
-              <a:t>8/20/2024</a:t>
+              <a:t>9/10/2024</a:t>
             </a:fld>
             <a:endParaRPr lang="en-US" dirty="0"/>
           </a:p>
@@ -1889,7 +1889,7 @@
             <a:fld id="{B61BEF0D-F0BB-DE4B-95CE-6DB70DBA9567}" type="datetimeFigureOut">
               <a:rPr lang="en-US" smtClean="0"/>
               <a:pPr/>
-              <a:t>8/20/2024</a:t>
+              <a:t>9/10/2024</a:t>
             </a:fld>
             <a:endParaRPr lang="en-US" dirty="0"/>
           </a:p>
@@ -2198,7 +2198,7 @@
             <a:fld id="{B61BEF0D-F0BB-DE4B-95CE-6DB70DBA9567}" type="datetimeFigureOut">
               <a:rPr lang="en-US" smtClean="0"/>
               <a:pPr/>
-              <a:t>8/20/2024</a:t>
+              <a:t>9/10/2024</a:t>
             </a:fld>
             <a:endParaRPr lang="en-US" dirty="0"/>
           </a:p>
@@ -2502,7 +2502,7 @@
             <a:fld id="{B61BEF0D-F0BB-DE4B-95CE-6DB70DBA9567}" type="datetimeFigureOut">
               <a:rPr lang="en-US" smtClean="0"/>
               <a:pPr/>
-              <a:t>8/20/2024</a:t>
+              <a:t>9/10/2024</a:t>
             </a:fld>
             <a:endParaRPr lang="en-US" dirty="0"/>
           </a:p>
@@ -2926,7 +2926,7 @@
             <a:fld id="{B61BEF0D-F0BB-DE4B-95CE-6DB70DBA9567}" type="datetimeFigureOut">
               <a:rPr lang="en-US" smtClean="0"/>
               <a:pPr/>
-              <a:t>8/20/2024</a:t>
+              <a:t>9/10/2024</a:t>
             </a:fld>
             <a:endParaRPr lang="en-US" dirty="0"/>
           </a:p>
@@ -3023,7 +3023,7 @@
             <a:fld id="{B61BEF0D-F0BB-DE4B-95CE-6DB70DBA9567}" type="datetimeFigureOut">
               <a:rPr lang="en-US" smtClean="0"/>
               <a:pPr/>
-              <a:t>8/20/2024</a:t>
+              <a:t>9/10/2024</a:t>
             </a:fld>
             <a:endParaRPr lang="en-US" dirty="0"/>
           </a:p>
@@ -3187,7 +3187,7 @@
             <a:fld id="{B61BEF0D-F0BB-DE4B-95CE-6DB70DBA9567}" type="datetimeFigureOut">
               <a:rPr lang="en-US" smtClean="0"/>
               <a:pPr/>
-              <a:t>8/20/2024</a:t>
+              <a:t>9/10/2024</a:t>
             </a:fld>
             <a:endParaRPr lang="en-US" dirty="0"/>
           </a:p>
@@ -3567,7 +3567,7 @@
             <a:fld id="{B61BEF0D-F0BB-DE4B-95CE-6DB70DBA9567}" type="datetimeFigureOut">
               <a:rPr lang="en-US" smtClean="0"/>
               <a:pPr/>
-              <a:t>8/20/2024</a:t>
+              <a:t>9/10/2024</a:t>
             </a:fld>
             <a:endParaRPr lang="en-US" dirty="0"/>
           </a:p>
@@ -3857,7 +3857,7 @@
             <a:fld id="{B61BEF0D-F0BB-DE4B-95CE-6DB70DBA9567}" type="datetimeFigureOut">
               <a:rPr lang="en-US" smtClean="0"/>
               <a:pPr/>
-              <a:t>8/20/2024</a:t>
+              <a:t>9/10/2024</a:t>
             </a:fld>
             <a:endParaRPr lang="en-US" dirty="0"/>
           </a:p>
@@ -4070,7 +4070,7 @@
             <a:fld id="{B61BEF0D-F0BB-DE4B-95CE-6DB70DBA9567}" type="datetimeFigureOut">
               <a:rPr lang="en-US" smtClean="0"/>
               <a:pPr/>
-              <a:t>8/20/2024</a:t>
+              <a:t>9/10/2024</a:t>
             </a:fld>
             <a:endParaRPr lang="en-US" dirty="0"/>
           </a:p>
@@ -13977,10 +13977,15 @@
             <p:ph idx="1"/>
           </p:nvPr>
         </p:nvSpPr>
-        <p:spPr/>
+        <p:spPr>
+          <a:xfrm>
+            <a:off x="581192" y="2180496"/>
+            <a:ext cx="11029615" cy="3975348"/>
+          </a:xfrm>
+        </p:spPr>
         <p:txBody>
           <a:bodyPr>
-            <a:normAutofit fontScale="92500" lnSpcReduction="10000"/>
+            <a:normAutofit fontScale="92500" lnSpcReduction="20000"/>
           </a:bodyPr>
           <a:lstStyle/>
           <a:p>
@@ -14066,8 +14071,33 @@
             </a:pPr>
             <a:r>
               <a:rPr lang="en-US" dirty="0"/>
-              <a:t>Games, etc.</a:t>
-            </a:r>
+              <a:t>Games</a:t>
+            </a:r>
+          </a:p>
+          <a:p>
+            <a:pPr marL="514350" indent="-514350">
+              <a:buFont typeface="+mj-lt"/>
+              <a:buAutoNum type="arabicPeriod"/>
+            </a:pPr>
+            <a:r>
+              <a:rPr lang="en-US" dirty="0"/>
+              <a:t>Testing</a:t>
+            </a:r>
+          </a:p>
+          <a:p>
+            <a:pPr marL="514350" indent="-514350">
+              <a:buFont typeface="+mj-lt"/>
+              <a:buAutoNum type="arabicPeriod"/>
+            </a:pPr>
+            <a:r>
+              <a:rPr lang="en-US" dirty="0"/>
+              <a:t>Big data </a:t>
+            </a:r>
+            <a:r>
+              <a:rPr lang="en-US" dirty="0" err="1"/>
+              <a:t>etc</a:t>
+            </a:r>
+            <a:endParaRPr lang="en-US" dirty="0"/>
           </a:p>
         </p:txBody>
       </p:sp>
@@ -30130,6 +30160,68 @@
           </a:prstGeom>
         </p:spPr>
       </p:pic>
+      <p:sp>
+        <p:nvSpPr>
+          <p:cNvPr id="2" name="Rectangle 1">
+            <a:extLst>
+              <a:ext uri="{FF2B5EF4-FFF2-40B4-BE49-F238E27FC236}">
+                <a16:creationId xmlns:a16="http://schemas.microsoft.com/office/drawing/2014/main" id="{4A245F98-B26E-8014-A5B0-7E916A313981}"/>
+              </a:ext>
+            </a:extLst>
+          </p:cNvPr>
+          <p:cNvSpPr/>
+          <p:nvPr/>
+        </p:nvSpPr>
+        <p:spPr>
+          <a:xfrm>
+            <a:off x="7618190" y="4793672"/>
+            <a:ext cx="886691" cy="387927"/>
+          </a:xfrm>
+          <a:prstGeom prst="rect">
+            <a:avLst/>
+          </a:prstGeom>
+          <a:noFill/>
+          <a:ln>
+            <a:noFill/>
+          </a:ln>
+        </p:spPr>
+        <p:style>
+          <a:lnRef idx="2">
+            <a:schemeClr val="accent1">
+              <a:shade val="15000"/>
+            </a:schemeClr>
+          </a:lnRef>
+          <a:fillRef idx="1">
+            <a:schemeClr val="accent1"/>
+          </a:fillRef>
+          <a:effectRef idx="0">
+            <a:schemeClr val="accent1"/>
+          </a:effectRef>
+          <a:fontRef idx="minor">
+            <a:schemeClr val="lt1"/>
+          </a:fontRef>
+        </p:style>
+        <p:txBody>
+          <a:bodyPr rtlCol="0" anchor="ctr"/>
+          <a:lstStyle/>
+          <a:p>
+            <a:pPr algn="ctr"/>
+            <a:r>
+              <a:rPr lang="en-US" dirty="0">
+                <a:solidFill>
+                  <a:schemeClr val="tx1"/>
+                </a:solidFill>
+              </a:rPr>
+              <a:t>JRE</a:t>
+            </a:r>
+            <a:endParaRPr lang="en-IN" dirty="0">
+              <a:solidFill>
+                <a:schemeClr val="tx1"/>
+              </a:solidFill>
+            </a:endParaRPr>
+          </a:p>
+        </p:txBody>
+      </p:sp>
     </p:spTree>
     <p:extLst>
       <p:ext uri="{BB962C8B-B14F-4D97-AF65-F5344CB8AC3E}">

--- a/01 Java Intro/Java Slides part 1.pptx
+++ b/01 Java Intro/Java Slides part 1.pptx
@@ -288,7 +288,7 @@
           <a:p>
             <a:fld id="{AF869721-F543-4A6C-BF9D-65D7CC540427}" type="datetimeFigureOut">
               <a:rPr lang="en-US" smtClean="0"/>
-              <a:t>9/10/2024</a:t>
+              <a:t>11/6/2024</a:t>
             </a:fld>
             <a:endParaRPr lang="en-US" dirty="0"/>
           </a:p>
@@ -465,7 +465,7 @@
           <a:p>
             <a:fld id="{C732326A-4C88-4AFB-AA5B-5919D81DFF5B}" type="datetimeFigureOut">
               <a:rPr lang="en-US" smtClean="0"/>
-              <a:t>9/10/2024</a:t>
+              <a:t>11/6/2024</a:t>
             </a:fld>
             <a:endParaRPr lang="en-US" dirty="0"/>
           </a:p>
@@ -1146,7 +1146,7 @@
             <a:fld id="{B61BEF0D-F0BB-DE4B-95CE-6DB70DBA9567}" type="datetimeFigureOut">
               <a:rPr lang="en-US" smtClean="0"/>
               <a:pPr/>
-              <a:t>9/10/2024</a:t>
+              <a:t>11/6/2024</a:t>
             </a:fld>
             <a:endParaRPr lang="en-US" dirty="0"/>
           </a:p>
@@ -1410,7 +1410,7 @@
             <a:fld id="{B61BEF0D-F0BB-DE4B-95CE-6DB70DBA9567}" type="datetimeFigureOut">
               <a:rPr lang="en-US" smtClean="0"/>
               <a:pPr/>
-              <a:t>9/10/2024</a:t>
+              <a:t>11/6/2024</a:t>
             </a:fld>
             <a:endParaRPr lang="en-US" dirty="0"/>
           </a:p>
@@ -1647,7 +1647,7 @@
             <a:fld id="{B61BEF0D-F0BB-DE4B-95CE-6DB70DBA9567}" type="datetimeFigureOut">
               <a:rPr lang="en-US" smtClean="0"/>
               <a:pPr/>
-              <a:t>9/10/2024</a:t>
+              <a:t>11/6/2024</a:t>
             </a:fld>
             <a:endParaRPr lang="en-US" dirty="0"/>
           </a:p>
@@ -1889,7 +1889,7 @@
             <a:fld id="{B61BEF0D-F0BB-DE4B-95CE-6DB70DBA9567}" type="datetimeFigureOut">
               <a:rPr lang="en-US" smtClean="0"/>
               <a:pPr/>
-              <a:t>9/10/2024</a:t>
+              <a:t>11/6/2024</a:t>
             </a:fld>
             <a:endParaRPr lang="en-US" dirty="0"/>
           </a:p>
@@ -2198,7 +2198,7 @@
             <a:fld id="{B61BEF0D-F0BB-DE4B-95CE-6DB70DBA9567}" type="datetimeFigureOut">
               <a:rPr lang="en-US" smtClean="0"/>
               <a:pPr/>
-              <a:t>9/10/2024</a:t>
+              <a:t>11/6/2024</a:t>
             </a:fld>
             <a:endParaRPr lang="en-US" dirty="0"/>
           </a:p>
@@ -2502,7 +2502,7 @@
             <a:fld id="{B61BEF0D-F0BB-DE4B-95CE-6DB70DBA9567}" type="datetimeFigureOut">
               <a:rPr lang="en-US" smtClean="0"/>
               <a:pPr/>
-              <a:t>9/10/2024</a:t>
+              <a:t>11/6/2024</a:t>
             </a:fld>
             <a:endParaRPr lang="en-US" dirty="0"/>
           </a:p>
@@ -2926,7 +2926,7 @@
             <a:fld id="{B61BEF0D-F0BB-DE4B-95CE-6DB70DBA9567}" type="datetimeFigureOut">
               <a:rPr lang="en-US" smtClean="0"/>
               <a:pPr/>
-              <a:t>9/10/2024</a:t>
+              <a:t>11/6/2024</a:t>
             </a:fld>
             <a:endParaRPr lang="en-US" dirty="0"/>
           </a:p>
@@ -3023,7 +3023,7 @@
             <a:fld id="{B61BEF0D-F0BB-DE4B-95CE-6DB70DBA9567}" type="datetimeFigureOut">
               <a:rPr lang="en-US" smtClean="0"/>
               <a:pPr/>
-              <a:t>9/10/2024</a:t>
+              <a:t>11/6/2024</a:t>
             </a:fld>
             <a:endParaRPr lang="en-US" dirty="0"/>
           </a:p>
@@ -3187,7 +3187,7 @@
             <a:fld id="{B61BEF0D-F0BB-DE4B-95CE-6DB70DBA9567}" type="datetimeFigureOut">
               <a:rPr lang="en-US" smtClean="0"/>
               <a:pPr/>
-              <a:t>9/10/2024</a:t>
+              <a:t>11/6/2024</a:t>
             </a:fld>
             <a:endParaRPr lang="en-US" dirty="0"/>
           </a:p>
@@ -3567,7 +3567,7 @@
             <a:fld id="{B61BEF0D-F0BB-DE4B-95CE-6DB70DBA9567}" type="datetimeFigureOut">
               <a:rPr lang="en-US" smtClean="0"/>
               <a:pPr/>
-              <a:t>9/10/2024</a:t>
+              <a:t>11/6/2024</a:t>
             </a:fld>
             <a:endParaRPr lang="en-US" dirty="0"/>
           </a:p>
@@ -3857,7 +3857,7 @@
             <a:fld id="{B61BEF0D-F0BB-DE4B-95CE-6DB70DBA9567}" type="datetimeFigureOut">
               <a:rPr lang="en-US" smtClean="0"/>
               <a:pPr/>
-              <a:t>9/10/2024</a:t>
+              <a:t>11/6/2024</a:t>
             </a:fld>
             <a:endParaRPr lang="en-US" dirty="0"/>
           </a:p>
@@ -4070,7 +4070,7 @@
             <a:fld id="{B61BEF0D-F0BB-DE4B-95CE-6DB70DBA9567}" type="datetimeFigureOut">
               <a:rPr lang="en-US" smtClean="0"/>
               <a:pPr/>
-              <a:t>9/10/2024</a:t>
+              <a:t>11/6/2024</a:t>
             </a:fld>
             <a:endParaRPr lang="en-US" dirty="0"/>
           </a:p>
@@ -5466,7 +5466,7 @@
         </p:blipFill>
         <p:spPr>
           <a:xfrm>
-            <a:off x="1228436" y="1958110"/>
+            <a:off x="1182254" y="1921165"/>
             <a:ext cx="9531928" cy="4768042"/>
           </a:xfrm>
         </p:spPr>
@@ -25770,7 +25770,7 @@
         </p:blipFill>
         <p:spPr>
           <a:xfrm>
-            <a:off x="1442264" y="3343563"/>
+            <a:off x="1442264" y="3351183"/>
             <a:ext cx="9011908" cy="3061459"/>
           </a:xfrm>
           <a:prstGeom prst="rect">
@@ -31721,7 +31721,15 @@
             </a:pPr>
             <a:r>
               <a:rPr lang="en-US" sz="2400" dirty="0"/>
-              <a:t>Object-oriented programming (OOPs) is a methodology that simplifies software development and maintenance by providing some rules.</a:t>
+              <a:t>Object-oriented programming (OOPs) is a software </a:t>
+            </a:r>
+            <a:r>
+              <a:rPr lang="en-US" sz="2400" dirty="0" err="1"/>
+              <a:t>developement</a:t>
+            </a:r>
+            <a:r>
+              <a:rPr lang="en-US" sz="2400" dirty="0"/>
+              <a:t> methodology that simplifies software development and maintenance by providing some rules.</a:t>
             </a:r>
           </a:p>
           <a:p>
